--- a/Jason Walker.pptx
+++ b/Jason Walker.pptx
@@ -296,7 +296,7 @@
             <a:fld id="{DC7DFB3E-993A-41B7-9729-765355A0C5B5}" type="datetimeFigureOut">
               <a:rPr lang="zh-CN" altLang="en-US" smtClean="0"/>
               <a:pPr/>
-              <a:t>2016/7/19</a:t>
+              <a:t>2016/7/20</a:t>
             </a:fld>
             <a:endParaRPr lang="zh-CN" altLang="en-US"/>
           </a:p>
@@ -463,7 +463,7 @@
             <a:fld id="{DC7DFB3E-993A-41B7-9729-765355A0C5B5}" type="datetimeFigureOut">
               <a:rPr lang="zh-CN" altLang="en-US" smtClean="0"/>
               <a:pPr/>
-              <a:t>2016/7/19</a:t>
+              <a:t>2016/7/20</a:t>
             </a:fld>
             <a:endParaRPr lang="zh-CN" altLang="en-US"/>
           </a:p>
@@ -640,7 +640,7 @@
             <a:fld id="{DC7DFB3E-993A-41B7-9729-765355A0C5B5}" type="datetimeFigureOut">
               <a:rPr lang="zh-CN" altLang="en-US" smtClean="0"/>
               <a:pPr/>
-              <a:t>2016/7/19</a:t>
+              <a:t>2016/7/20</a:t>
             </a:fld>
             <a:endParaRPr lang="zh-CN" altLang="en-US"/>
           </a:p>
@@ -807,7 +807,7 @@
             <a:fld id="{DC7DFB3E-993A-41B7-9729-765355A0C5B5}" type="datetimeFigureOut">
               <a:rPr lang="zh-CN" altLang="en-US" smtClean="0"/>
               <a:pPr/>
-              <a:t>2016/7/19</a:t>
+              <a:t>2016/7/20</a:t>
             </a:fld>
             <a:endParaRPr lang="zh-CN" altLang="en-US"/>
           </a:p>
@@ -1050,7 +1050,7 @@
             <a:fld id="{DC7DFB3E-993A-41B7-9729-765355A0C5B5}" type="datetimeFigureOut">
               <a:rPr lang="zh-CN" altLang="en-US" smtClean="0"/>
               <a:pPr/>
-              <a:t>2016/7/19</a:t>
+              <a:t>2016/7/20</a:t>
             </a:fld>
             <a:endParaRPr lang="zh-CN" altLang="en-US"/>
           </a:p>
@@ -1335,7 +1335,7 @@
             <a:fld id="{DC7DFB3E-993A-41B7-9729-765355A0C5B5}" type="datetimeFigureOut">
               <a:rPr lang="zh-CN" altLang="en-US" smtClean="0"/>
               <a:pPr/>
-              <a:t>2016/7/19</a:t>
+              <a:t>2016/7/20</a:t>
             </a:fld>
             <a:endParaRPr lang="zh-CN" altLang="en-US"/>
           </a:p>
@@ -1754,7 +1754,7 @@
             <a:fld id="{DC7DFB3E-993A-41B7-9729-765355A0C5B5}" type="datetimeFigureOut">
               <a:rPr lang="zh-CN" altLang="en-US" smtClean="0"/>
               <a:pPr/>
-              <a:t>2016/7/19</a:t>
+              <a:t>2016/7/20</a:t>
             </a:fld>
             <a:endParaRPr lang="zh-CN" altLang="en-US"/>
           </a:p>
@@ -1869,7 +1869,7 @@
             <a:fld id="{DC7DFB3E-993A-41B7-9729-765355A0C5B5}" type="datetimeFigureOut">
               <a:rPr lang="zh-CN" altLang="en-US" smtClean="0"/>
               <a:pPr/>
-              <a:t>2016/7/19</a:t>
+              <a:t>2016/7/20</a:t>
             </a:fld>
             <a:endParaRPr lang="zh-CN" altLang="en-US"/>
           </a:p>
@@ -1961,7 +1961,7 @@
             <a:fld id="{DC7DFB3E-993A-41B7-9729-765355A0C5B5}" type="datetimeFigureOut">
               <a:rPr lang="zh-CN" altLang="en-US" smtClean="0"/>
               <a:pPr/>
-              <a:t>2016/7/19</a:t>
+              <a:t>2016/7/20</a:t>
             </a:fld>
             <a:endParaRPr lang="zh-CN" altLang="en-US"/>
           </a:p>
@@ -2235,7 +2235,7 @@
             <a:fld id="{DC7DFB3E-993A-41B7-9729-765355A0C5B5}" type="datetimeFigureOut">
               <a:rPr lang="zh-CN" altLang="en-US" smtClean="0"/>
               <a:pPr/>
-              <a:t>2016/7/19</a:t>
+              <a:t>2016/7/20</a:t>
             </a:fld>
             <a:endParaRPr lang="zh-CN" altLang="en-US"/>
           </a:p>
@@ -2485,7 +2485,7 @@
             <a:fld id="{DC7DFB3E-993A-41B7-9729-765355A0C5B5}" type="datetimeFigureOut">
               <a:rPr lang="zh-CN" altLang="en-US" smtClean="0"/>
               <a:pPr/>
-              <a:t>2016/7/19</a:t>
+              <a:t>2016/7/20</a:t>
             </a:fld>
             <a:endParaRPr lang="zh-CN" altLang="en-US"/>
           </a:p>
@@ -2695,7 +2695,7 @@
             <a:fld id="{DC7DFB3E-993A-41B7-9729-765355A0C5B5}" type="datetimeFigureOut">
               <a:rPr lang="zh-CN" altLang="en-US" smtClean="0"/>
               <a:pPr/>
-              <a:t>2016/7/19</a:t>
+              <a:t>2016/7/20</a:t>
             </a:fld>
             <a:endParaRPr lang="zh-CN" altLang="en-US"/>
           </a:p>
@@ -3871,28 +3871,6 @@
               <a:rPr lang="en-US" altLang="zh-CN" dirty="0" smtClean="0"/>
               <a:t>Thank you!</a:t>
             </a:r>
-            <a:endParaRPr lang="zh-CN" altLang="en-US" dirty="0"/>
-          </a:p>
-        </p:txBody>
-      </p:sp>
-      <p:sp>
-        <p:nvSpPr>
-          <p:cNvPr id="3" name="内容占位符 2"/>
-          <p:cNvSpPr>
-            <a:spLocks noGrp="1"/>
-          </p:cNvSpPr>
-          <p:nvPr>
-            <p:ph idx="1"/>
-          </p:nvPr>
-        </p:nvSpPr>
-        <p:spPr/>
-        <p:txBody>
-          <a:bodyPr/>
-          <a:lstStyle/>
-          <a:p>
-            <a:pPr>
-              <a:buNone/>
-            </a:pPr>
             <a:endParaRPr lang="zh-CN" altLang="en-US" dirty="0"/>
           </a:p>
         </p:txBody>
